--- a/doc/task01/design_thinking.pptx
+++ b/doc/task01/design_thinking.pptx
@@ -3493,10 +3493,6 @@
               <a:rPr lang="de-CH" sz="1400" dirty="0" smtClean="0"/>
               <a:t>Christian</a:t>
             </a:r>
-            <a:r>
-              <a:rPr lang="de-CH" sz="1400" dirty="0" smtClean="0"/>
-              <a:t/>
-            </a:r>
             <a:br>
               <a:rPr lang="de-CH" sz="1400" dirty="0" smtClean="0"/>
             </a:br>
@@ -3536,15 +3532,7 @@
             </a:r>
             <a:r>
               <a:rPr lang="de-CH" sz="1400" dirty="0" smtClean="0"/>
-              <a:t> </a:t>
-            </a:r>
-            <a:r>
-              <a:rPr lang="de-CH" sz="1400" dirty="0" smtClean="0"/>
-              <a:t>Lukas</a:t>
-            </a:r>
-            <a:r>
-              <a:rPr lang="de-CH" sz="1400" dirty="0" smtClean="0"/>
-              <a:t/>
+              <a:t> Lukas</a:t>
             </a:r>
             <a:br>
               <a:rPr lang="de-CH" sz="1400" dirty="0" smtClean="0"/>
@@ -9235,6 +9223,7 @@
               <a:rPr lang="de-CH" b="0" dirty="0" smtClean="0"/>
               <a:t>Research</a:t>
             </a:r>
+            <a:endParaRPr lang="de-CH" b="0" dirty="0" smtClean="0"/>
           </a:p>
           <a:p>
             <a:pPr marL="342900" indent="-342900">
@@ -9256,6 +9245,7 @@
               <a:rPr lang="de-CH" b="0" dirty="0" smtClean="0"/>
               <a:t>Design</a:t>
             </a:r>
+            <a:endParaRPr lang="de-CH" b="0" dirty="0" smtClean="0"/>
           </a:p>
           <a:p>
             <a:pPr marL="342900" indent="-342900">
@@ -9289,324 +9279,7 @@
   <p:timing>
     <p:tnLst>
       <p:par>
-        <p:cTn id="1" dur="indefinite" restart="never" nodeType="tmRoot">
-          <p:childTnLst>
-            <p:seq concurrent="1" nextAc="seek">
-              <p:cTn id="2" dur="indefinite" nodeType="mainSeq">
-                <p:childTnLst>
-                  <p:par>
-                    <p:cTn id="3" fill="hold">
-                      <p:stCondLst>
-                        <p:cond delay="indefinite"/>
-                      </p:stCondLst>
-                      <p:childTnLst>
-                        <p:par>
-                          <p:cTn id="4" fill="hold">
-                            <p:stCondLst>
-                              <p:cond delay="0"/>
-                            </p:stCondLst>
-                            <p:childTnLst>
-                              <p:par>
-                                <p:cTn id="5" presetID="1" presetClass="entr" presetSubtype="0" fill="hold" nodeType="clickEffect">
-                                  <p:stCondLst>
-                                    <p:cond delay="0"/>
-                                  </p:stCondLst>
-                                  <p:childTnLst>
-                                    <p:set>
-                                      <p:cBhvr>
-                                        <p:cTn id="6" dur="1" fill="hold">
-                                          <p:stCondLst>
-                                            <p:cond delay="0"/>
-                                          </p:stCondLst>
-                                        </p:cTn>
-                                        <p:tgtEl>
-                                          <p:spTgt spid="5">
-                                            <p:txEl>
-                                              <p:pRg st="0" end="0"/>
-                                            </p:txEl>
-                                          </p:spTgt>
-                                        </p:tgtEl>
-                                        <p:attrNameLst>
-                                          <p:attrName>style.visibility</p:attrName>
-                                        </p:attrNameLst>
-                                      </p:cBhvr>
-                                      <p:to>
-                                        <p:strVal val="visible"/>
-                                      </p:to>
-                                    </p:set>
-                                  </p:childTnLst>
-                                </p:cTn>
-                              </p:par>
-                            </p:childTnLst>
-                          </p:cTn>
-                        </p:par>
-                      </p:childTnLst>
-                    </p:cTn>
-                  </p:par>
-                  <p:par>
-                    <p:cTn id="7" fill="hold">
-                      <p:stCondLst>
-                        <p:cond delay="indefinite"/>
-                      </p:stCondLst>
-                      <p:childTnLst>
-                        <p:par>
-                          <p:cTn id="8" fill="hold">
-                            <p:stCondLst>
-                              <p:cond delay="0"/>
-                            </p:stCondLst>
-                            <p:childTnLst>
-                              <p:par>
-                                <p:cTn id="9" presetID="1" presetClass="entr" presetSubtype="0" fill="hold" nodeType="clickEffect">
-                                  <p:stCondLst>
-                                    <p:cond delay="0"/>
-                                  </p:stCondLst>
-                                  <p:childTnLst>
-                                    <p:set>
-                                      <p:cBhvr>
-                                        <p:cTn id="10" dur="1" fill="hold">
-                                          <p:stCondLst>
-                                            <p:cond delay="0"/>
-                                          </p:stCondLst>
-                                        </p:cTn>
-                                        <p:tgtEl>
-                                          <p:spTgt spid="5">
-                                            <p:txEl>
-                                              <p:pRg st="1" end="1"/>
-                                            </p:txEl>
-                                          </p:spTgt>
-                                        </p:tgtEl>
-                                        <p:attrNameLst>
-                                          <p:attrName>style.visibility</p:attrName>
-                                        </p:attrNameLst>
-                                      </p:cBhvr>
-                                      <p:to>
-                                        <p:strVal val="visible"/>
-                                      </p:to>
-                                    </p:set>
-                                  </p:childTnLst>
-                                </p:cTn>
-                              </p:par>
-                            </p:childTnLst>
-                          </p:cTn>
-                        </p:par>
-                      </p:childTnLst>
-                    </p:cTn>
-                  </p:par>
-                  <p:par>
-                    <p:cTn id="11" fill="hold">
-                      <p:stCondLst>
-                        <p:cond delay="indefinite"/>
-                      </p:stCondLst>
-                      <p:childTnLst>
-                        <p:par>
-                          <p:cTn id="12" fill="hold">
-                            <p:stCondLst>
-                              <p:cond delay="0"/>
-                            </p:stCondLst>
-                            <p:childTnLst>
-                              <p:par>
-                                <p:cTn id="13" presetID="1" presetClass="entr" presetSubtype="0" fill="hold" nodeType="clickEffect">
-                                  <p:stCondLst>
-                                    <p:cond delay="0"/>
-                                  </p:stCondLst>
-                                  <p:childTnLst>
-                                    <p:set>
-                                      <p:cBhvr>
-                                        <p:cTn id="14" dur="1" fill="hold">
-                                          <p:stCondLst>
-                                            <p:cond delay="0"/>
-                                          </p:stCondLst>
-                                        </p:cTn>
-                                        <p:tgtEl>
-                                          <p:spTgt spid="5">
-                                            <p:txEl>
-                                              <p:pRg st="2" end="2"/>
-                                            </p:txEl>
-                                          </p:spTgt>
-                                        </p:tgtEl>
-                                        <p:attrNameLst>
-                                          <p:attrName>style.visibility</p:attrName>
-                                        </p:attrNameLst>
-                                      </p:cBhvr>
-                                      <p:to>
-                                        <p:strVal val="visible"/>
-                                      </p:to>
-                                    </p:set>
-                                  </p:childTnLst>
-                                </p:cTn>
-                              </p:par>
-                            </p:childTnLst>
-                          </p:cTn>
-                        </p:par>
-                      </p:childTnLst>
-                    </p:cTn>
-                  </p:par>
-                  <p:par>
-                    <p:cTn id="15" fill="hold">
-                      <p:stCondLst>
-                        <p:cond delay="indefinite"/>
-                      </p:stCondLst>
-                      <p:childTnLst>
-                        <p:par>
-                          <p:cTn id="16" fill="hold">
-                            <p:stCondLst>
-                              <p:cond delay="0"/>
-                            </p:stCondLst>
-                            <p:childTnLst>
-                              <p:par>
-                                <p:cTn id="17" presetID="1" presetClass="entr" presetSubtype="0" fill="hold" nodeType="clickEffect">
-                                  <p:stCondLst>
-                                    <p:cond delay="0"/>
-                                  </p:stCondLst>
-                                  <p:childTnLst>
-                                    <p:set>
-                                      <p:cBhvr>
-                                        <p:cTn id="18" dur="1" fill="hold">
-                                          <p:stCondLst>
-                                            <p:cond delay="0"/>
-                                          </p:stCondLst>
-                                        </p:cTn>
-                                        <p:tgtEl>
-                                          <p:spTgt spid="5">
-                                            <p:txEl>
-                                              <p:pRg st="3" end="3"/>
-                                            </p:txEl>
-                                          </p:spTgt>
-                                        </p:tgtEl>
-                                        <p:attrNameLst>
-                                          <p:attrName>style.visibility</p:attrName>
-                                        </p:attrNameLst>
-                                      </p:cBhvr>
-                                      <p:to>
-                                        <p:strVal val="visible"/>
-                                      </p:to>
-                                    </p:set>
-                                  </p:childTnLst>
-                                </p:cTn>
-                              </p:par>
-                            </p:childTnLst>
-                          </p:cTn>
-                        </p:par>
-                      </p:childTnLst>
-                    </p:cTn>
-                  </p:par>
-                  <p:par>
-                    <p:cTn id="19" fill="hold">
-                      <p:stCondLst>
-                        <p:cond delay="indefinite"/>
-                      </p:stCondLst>
-                      <p:childTnLst>
-                        <p:par>
-                          <p:cTn id="20" fill="hold">
-                            <p:stCondLst>
-                              <p:cond delay="0"/>
-                            </p:stCondLst>
-                            <p:childTnLst>
-                              <p:par>
-                                <p:cTn id="21" presetID="1" presetClass="entr" presetSubtype="0" fill="hold" nodeType="clickEffect">
-                                  <p:stCondLst>
-                                    <p:cond delay="0"/>
-                                  </p:stCondLst>
-                                  <p:childTnLst>
-                                    <p:set>
-                                      <p:cBhvr>
-                                        <p:cTn id="22" dur="1" fill="hold">
-                                          <p:stCondLst>
-                                            <p:cond delay="0"/>
-                                          </p:stCondLst>
-                                        </p:cTn>
-                                        <p:tgtEl>
-                                          <p:spTgt spid="5">
-                                            <p:txEl>
-                                              <p:pRg st="4" end="4"/>
-                                            </p:txEl>
-                                          </p:spTgt>
-                                        </p:tgtEl>
-                                        <p:attrNameLst>
-                                          <p:attrName>style.visibility</p:attrName>
-                                        </p:attrNameLst>
-                                      </p:cBhvr>
-                                      <p:to>
-                                        <p:strVal val="visible"/>
-                                      </p:to>
-                                    </p:set>
-                                  </p:childTnLst>
-                                </p:cTn>
-                              </p:par>
-                            </p:childTnLst>
-                          </p:cTn>
-                        </p:par>
-                      </p:childTnLst>
-                    </p:cTn>
-                  </p:par>
-                  <p:par>
-                    <p:cTn id="23" fill="hold">
-                      <p:stCondLst>
-                        <p:cond delay="indefinite"/>
-                      </p:stCondLst>
-                      <p:childTnLst>
-                        <p:par>
-                          <p:cTn id="24" fill="hold">
-                            <p:stCondLst>
-                              <p:cond delay="0"/>
-                            </p:stCondLst>
-                            <p:childTnLst>
-                              <p:par>
-                                <p:cTn id="25" presetID="1" presetClass="entr" presetSubtype="0" fill="hold" nodeType="clickEffect">
-                                  <p:stCondLst>
-                                    <p:cond delay="0"/>
-                                  </p:stCondLst>
-                                  <p:childTnLst>
-                                    <p:set>
-                                      <p:cBhvr>
-                                        <p:cTn id="26" dur="1" fill="hold">
-                                          <p:stCondLst>
-                                            <p:cond delay="0"/>
-                                          </p:stCondLst>
-                                        </p:cTn>
-                                        <p:tgtEl>
-                                          <p:spTgt spid="5">
-                                            <p:txEl>
-                                              <p:pRg st="5" end="5"/>
-                                            </p:txEl>
-                                          </p:spTgt>
-                                        </p:tgtEl>
-                                        <p:attrNameLst>
-                                          <p:attrName>style.visibility</p:attrName>
-                                        </p:attrNameLst>
-                                      </p:cBhvr>
-                                      <p:to>
-                                        <p:strVal val="visible"/>
-                                      </p:to>
-                                    </p:set>
-                                  </p:childTnLst>
-                                </p:cTn>
-                              </p:par>
-                            </p:childTnLst>
-                          </p:cTn>
-                        </p:par>
-                      </p:childTnLst>
-                    </p:cTn>
-                  </p:par>
-                </p:childTnLst>
-              </p:cTn>
-              <p:prevCondLst>
-                <p:cond evt="onPrev" delay="0">
-                  <p:tgtEl>
-                    <p:sldTgt/>
-                  </p:tgtEl>
-                </p:cond>
-              </p:prevCondLst>
-              <p:nextCondLst>
-                <p:cond evt="onNext" delay="0">
-                  <p:tgtEl>
-                    <p:sldTgt/>
-                  </p:tgtEl>
-                </p:cond>
-              </p:nextCondLst>
-            </p:seq>
-          </p:childTnLst>
-        </p:cTn>
+        <p:cTn id="1" dur="indefinite" restart="never" nodeType="tmRoot"/>
       </p:par>
     </p:tnLst>
   </p:timing>
@@ -10338,11 +10011,7 @@
             </a:r>
             <a:r>
               <a:rPr lang="de-CH" b="0" dirty="0" smtClean="0"/>
-              <a:t>Umgang mit den Patienten </a:t>
-            </a:r>
-            <a:r>
-              <a:rPr lang="de-CH" b="0" dirty="0" smtClean="0"/>
-              <a:t>unterstützen</a:t>
+              <a:t>Umgang mit den Patienten unterstützen</a:t>
             </a:r>
           </a:p>
           <a:p>
@@ -11299,11 +10968,7 @@
             </a:pPr>
             <a:r>
               <a:rPr lang="de-CH" dirty="0" smtClean="0"/>
-              <a:t>Sucht</a:t>
-            </a:r>
-            <a:r>
-              <a:rPr lang="de-CH" dirty="0" smtClean="0"/>
-              <a:t>:</a:t>
+              <a:t>Sucht:</a:t>
             </a:r>
           </a:p>
           <a:p>
@@ -11321,11 +10986,7 @@
             <a:pPr marL="800100" lvl="1" indent="-342900"/>
             <a:r>
               <a:rPr lang="de-CH" dirty="0" smtClean="0"/>
-              <a:t>Durch </a:t>
-            </a:r>
-            <a:r>
-              <a:rPr lang="de-CH" dirty="0" smtClean="0"/>
-              <a:t>wiederholter </a:t>
+              <a:t>Durch wiederholter </a:t>
             </a:r>
             <a:r>
               <a:rPr lang="de-CH" dirty="0"/>
